--- a/predavanja/prezentacije/OOP03-Objektno orjentisana paradigma.pptx
+++ b/predavanja/prezentacije/OOP03-Objektno orjentisana paradigma.pptx
@@ -182,7 +182,7 @@
   </p:defaultTextStyle>
   <p:extLst>
     <p:ext uri="{EFAFB233-063F-42B5-8137-9DF3F51BA10A}">
-      <p15:sldGuideLst xmlns:p15="http://schemas.microsoft.com/office/powerpoint/2012/main" xmlns="">
+      <p15:sldGuideLst xmlns:p15="http://schemas.microsoft.com/office/powerpoint/2012/main">
         <p15:guide id="1" orient="horz" pos="2160">
           <p15:clr>
             <a:srgbClr val="A4A3A4"/>
@@ -503,7 +503,7 @@
           <a:p>
             <a:fld id="{05553761-378F-42A1-A8CB-157F01569CB3}" type="datetimeFigureOut">
               <a:rPr lang="sr-Latn-RS" smtClean="0"/>
-              <a:t>8.3.2016.</a:t>
+              <a:t>31.10.2020.</a:t>
             </a:fld>
             <a:endParaRPr lang="sr-Latn-RS"/>
           </a:p>
@@ -14712,7 +14712,25 @@
               <a:rPr lang="sr-Cyrl-RS" altLang="en-US" sz="2400" dirty="0" smtClean="0">
                 <a:latin typeface="Garamond" panose="02020404030301010803" pitchFamily="18" charset="0"/>
               </a:rPr>
-              <a:t>На нивоу хардвера променљива која представља објекат у Јави </a:t>
+              <a:t>На нивоу </a:t>
+            </a:r>
+            <a:r>
+              <a:rPr lang="sr-Latn-RS" altLang="en-US" sz="2400" smtClean="0">
+                <a:latin typeface="Garamond" panose="02020404030301010803" pitchFamily="18" charset="0"/>
+              </a:rPr>
+              <a:t>JVM</a:t>
+            </a:r>
+            <a:r>
+              <a:rPr lang="sr-Cyrl-RS" altLang="en-US" sz="2400" smtClean="0">
+                <a:latin typeface="Garamond" panose="02020404030301010803" pitchFamily="18" charset="0"/>
+              </a:rPr>
+              <a:t> </a:t>
+            </a:r>
+            <a:r>
+              <a:rPr lang="sr-Cyrl-RS" altLang="en-US" sz="2400" dirty="0" smtClean="0">
+                <a:latin typeface="Garamond" panose="02020404030301010803" pitchFamily="18" charset="0"/>
+              </a:rPr>
+              <a:t>променљива која представља објекат у Јави </a:t>
             </a:r>
             <a:br>
               <a:rPr lang="sr-Cyrl-RS" altLang="en-US" sz="2400" dirty="0" smtClean="0">
@@ -36375,7 +36393,7 @@
   <a:extraClrSchemeLst/>
   <a:extLst>
     <a:ext uri="{05A4C25C-085E-4340-85A3-A5531E510DB2}">
-      <thm15:themeFamily xmlns:thm15="http://schemas.microsoft.com/office/thememl/2012/main" xmlns="" name="Office Theme" id="{62F939B6-93AF-4DB8-9C6B-D6C7DFDC589F}" vid="{4A3C46E8-61CC-4603-A589-7422A47A8E4A}"/>
+      <thm15:themeFamily xmlns:thm15="http://schemas.microsoft.com/office/thememl/2012/main" name="Office Theme" id="{62F939B6-93AF-4DB8-9C6B-D6C7DFDC589F}" vid="{4A3C46E8-61CC-4603-A589-7422A47A8E4A}"/>
     </a:ext>
   </a:extLst>
 </a:theme>
